--- a/slides/Introduction.pptx
+++ b/slides/Introduction.pptx
@@ -3249,7 +3249,7 @@
             </a:pPr>
             <a:r>
               <a:rPr/>
-              <a:t>2022-09-27</a:t>
+              <a:t>2023-03-20</a:t>
             </a:r>
           </a:p>
         </p:txBody>
@@ -6338,7 +6338,7 @@
             </a:pPr>
             <a:r>
               <a:rPr/>
-              <a:t>Philip Leftwich - Physalia Courses</a:t>
+              <a:t>Philip Leftwich - 5023Y</a:t>
             </a:r>
           </a:p>
         </p:txBody>
